--- a/作业1 .pptx
+++ b/作业1 .pptx
@@ -247,7 +247,7 @@
           <a:p>
             <a:fld id="{1CB3EC0C-8636-4BB1-B1B5-4D256F228514}" type="datetimeFigureOut">
               <a:rPr lang="zh-CN" altLang="en-US" smtClean="0"/>
-              <a:t>2019/3/17</a:t>
+              <a:t>2019/3/19</a:t>
             </a:fld>
             <a:endParaRPr lang="zh-CN" altLang="en-US"/>
           </a:p>
@@ -417,7 +417,7 @@
           <a:p>
             <a:fld id="{1CB3EC0C-8636-4BB1-B1B5-4D256F228514}" type="datetimeFigureOut">
               <a:rPr lang="zh-CN" altLang="en-US" smtClean="0"/>
-              <a:t>2019/3/17</a:t>
+              <a:t>2019/3/19</a:t>
             </a:fld>
             <a:endParaRPr lang="zh-CN" altLang="en-US"/>
           </a:p>
@@ -597,7 +597,7 @@
           <a:p>
             <a:fld id="{1CB3EC0C-8636-4BB1-B1B5-4D256F228514}" type="datetimeFigureOut">
               <a:rPr lang="zh-CN" altLang="en-US" smtClean="0"/>
-              <a:t>2019/3/17</a:t>
+              <a:t>2019/3/19</a:t>
             </a:fld>
             <a:endParaRPr lang="zh-CN" altLang="en-US"/>
           </a:p>
@@ -767,7 +767,7 @@
           <a:p>
             <a:fld id="{1CB3EC0C-8636-4BB1-B1B5-4D256F228514}" type="datetimeFigureOut">
               <a:rPr lang="zh-CN" altLang="en-US" smtClean="0"/>
-              <a:t>2019/3/17</a:t>
+              <a:t>2019/3/19</a:t>
             </a:fld>
             <a:endParaRPr lang="zh-CN" altLang="en-US"/>
           </a:p>
@@ -1013,7 +1013,7 @@
           <a:p>
             <a:fld id="{1CB3EC0C-8636-4BB1-B1B5-4D256F228514}" type="datetimeFigureOut">
               <a:rPr lang="zh-CN" altLang="en-US" smtClean="0"/>
-              <a:t>2019/3/17</a:t>
+              <a:t>2019/3/19</a:t>
             </a:fld>
             <a:endParaRPr lang="zh-CN" altLang="en-US"/>
           </a:p>
@@ -1245,7 +1245,7 @@
           <a:p>
             <a:fld id="{1CB3EC0C-8636-4BB1-B1B5-4D256F228514}" type="datetimeFigureOut">
               <a:rPr lang="zh-CN" altLang="en-US" smtClean="0"/>
-              <a:t>2019/3/17</a:t>
+              <a:t>2019/3/19</a:t>
             </a:fld>
             <a:endParaRPr lang="zh-CN" altLang="en-US"/>
           </a:p>
@@ -1612,7 +1612,7 @@
           <a:p>
             <a:fld id="{1CB3EC0C-8636-4BB1-B1B5-4D256F228514}" type="datetimeFigureOut">
               <a:rPr lang="zh-CN" altLang="en-US" smtClean="0"/>
-              <a:t>2019/3/17</a:t>
+              <a:t>2019/3/19</a:t>
             </a:fld>
             <a:endParaRPr lang="zh-CN" altLang="en-US"/>
           </a:p>
@@ -1730,7 +1730,7 @@
           <a:p>
             <a:fld id="{1CB3EC0C-8636-4BB1-B1B5-4D256F228514}" type="datetimeFigureOut">
               <a:rPr lang="zh-CN" altLang="en-US" smtClean="0"/>
-              <a:t>2019/3/17</a:t>
+              <a:t>2019/3/19</a:t>
             </a:fld>
             <a:endParaRPr lang="zh-CN" altLang="en-US"/>
           </a:p>
@@ -1825,7 +1825,7 @@
           <a:p>
             <a:fld id="{1CB3EC0C-8636-4BB1-B1B5-4D256F228514}" type="datetimeFigureOut">
               <a:rPr lang="zh-CN" altLang="en-US" smtClean="0"/>
-              <a:t>2019/3/17</a:t>
+              <a:t>2019/3/19</a:t>
             </a:fld>
             <a:endParaRPr lang="zh-CN" altLang="en-US"/>
           </a:p>
@@ -2102,7 +2102,7 @@
           <a:p>
             <a:fld id="{1CB3EC0C-8636-4BB1-B1B5-4D256F228514}" type="datetimeFigureOut">
               <a:rPr lang="zh-CN" altLang="en-US" smtClean="0"/>
-              <a:t>2019/3/17</a:t>
+              <a:t>2019/3/19</a:t>
             </a:fld>
             <a:endParaRPr lang="zh-CN" altLang="en-US"/>
           </a:p>
@@ -2355,7 +2355,7 @@
           <a:p>
             <a:fld id="{1CB3EC0C-8636-4BB1-B1B5-4D256F228514}" type="datetimeFigureOut">
               <a:rPr lang="zh-CN" altLang="en-US" smtClean="0"/>
-              <a:t>2019/3/17</a:t>
+              <a:t>2019/3/19</a:t>
             </a:fld>
             <a:endParaRPr lang="zh-CN" altLang="en-US"/>
           </a:p>
@@ -2568,7 +2568,7 @@
           <a:p>
             <a:fld id="{1CB3EC0C-8636-4BB1-B1B5-4D256F228514}" type="datetimeFigureOut">
               <a:rPr lang="zh-CN" altLang="en-US" smtClean="0"/>
-              <a:t>2019/3/17</a:t>
+              <a:t>2019/3/19</a:t>
             </a:fld>
             <a:endParaRPr lang="zh-CN" altLang="en-US"/>
           </a:p>
@@ -3092,7 +3092,9 @@
         </p:nvSpPr>
         <p:spPr/>
         <p:txBody>
-          <a:bodyPr/>
+          <a:bodyPr>
+            <a:normAutofit/>
+          </a:bodyPr>
           <a:lstStyle/>
           <a:p>
             <a:r>
@@ -3111,8 +3113,28 @@
           </a:p>
           <a:p>
             <a:r>
-              <a:rPr lang="zh-CN" altLang="en-US" dirty="0" smtClean="0"/>
-              <a:t>入库量为正弦周期函数周期为两周，最大</a:t>
+              <a:rPr lang="zh-CN" altLang="en-US" dirty="0"/>
+              <a:t>出</a:t>
+            </a:r>
+            <a:r>
+              <a:rPr lang="zh-CN" altLang="en-US" dirty="0" smtClean="0"/>
+              <a:t>库量</a:t>
+            </a:r>
+            <a:r>
+              <a:rPr lang="zh-CN" altLang="en-US" dirty="0" smtClean="0"/>
+              <a:t>随市场周期波动，近似用</a:t>
+            </a:r>
+            <a:r>
+              <a:rPr lang="zh-CN" altLang="en-US" dirty="0" smtClean="0"/>
+              <a:t>正弦函数模拟，即周期为</a:t>
+            </a:r>
+            <a:r>
+              <a:rPr lang="en-US" altLang="zh-CN" dirty="0" smtClean="0"/>
+              <a:t>20</a:t>
+            </a:r>
+            <a:r>
+              <a:rPr lang="zh-CN" altLang="en-US" dirty="0" smtClean="0"/>
+              <a:t>天，最大</a:t>
             </a:r>
             <a:r>
               <a:rPr lang="en-US" altLang="zh-CN" dirty="0" smtClean="0"/>
@@ -3135,15 +3157,51 @@
           <a:p>
             <a:r>
               <a:rPr lang="zh-CN" altLang="en-US" dirty="0" smtClean="0"/>
-              <a:t>出库量为每次</a:t>
+              <a:t>入</a:t>
+            </a:r>
+            <a:r>
+              <a:rPr lang="zh-CN" altLang="en-US" dirty="0" smtClean="0"/>
+              <a:t>库操作则根据仓库已有储量决定，即正常情况下按照每天</a:t>
             </a:r>
             <a:r>
               <a:rPr lang="en-US" altLang="zh-CN" dirty="0" smtClean="0"/>
-              <a:t>4</a:t>
-            </a:r>
-            <a:r>
-              <a:rPr lang="zh-CN" altLang="en-US" dirty="0" smtClean="0"/>
+              <a:t>30</a:t>
+            </a:r>
+            <a:r>
+              <a:rPr lang="zh-CN" altLang="en-US" dirty="0"/>
               <a:t>吨</a:t>
+            </a:r>
+            <a:r>
+              <a:rPr lang="zh-CN" altLang="en-US" dirty="0" smtClean="0"/>
+              <a:t>入库操作，当库存量总量达到或超过</a:t>
+            </a:r>
+            <a:r>
+              <a:rPr lang="en-US" altLang="zh-CN" dirty="0" smtClean="0"/>
+              <a:t>60</a:t>
+            </a:r>
+            <a:r>
+              <a:rPr lang="zh-CN" altLang="en-US" dirty="0"/>
+              <a:t>吨</a:t>
+            </a:r>
+            <a:r>
+              <a:rPr lang="zh-CN" altLang="en-US" dirty="0" smtClean="0"/>
+              <a:t>时每天入库量控制在</a:t>
+            </a:r>
+            <a:r>
+              <a:rPr lang="en-US" altLang="zh-CN" dirty="0" smtClean="0"/>
+              <a:t>1</a:t>
+            </a:r>
+            <a:r>
+              <a:rPr lang="zh-CN" altLang="en-US" dirty="0" smtClean="0"/>
+              <a:t>到</a:t>
+            </a:r>
+            <a:r>
+              <a:rPr lang="en-US" altLang="zh-CN" dirty="0" smtClean="0"/>
+              <a:t>7</a:t>
+            </a:r>
+            <a:r>
+              <a:rPr lang="zh-CN" altLang="en-US" dirty="0" smtClean="0"/>
+              <a:t>吨之间随意数量。</a:t>
             </a:r>
             <a:endParaRPr lang="en-US" altLang="zh-CN" dirty="0" smtClean="0"/>
           </a:p>
@@ -3165,15 +3223,7 @@
             </a:pPr>
             <a:r>
               <a:rPr lang="zh-CN" altLang="en-US" dirty="0" smtClean="0"/>
-              <a:t>用</a:t>
-            </a:r>
-            <a:r>
-              <a:rPr lang="zh-CN" altLang="en-US" dirty="0" smtClean="0"/>
-              <a:t>仿真模型分析库存量如何变化</a:t>
-            </a:r>
-            <a:r>
-              <a:rPr lang="zh-CN" altLang="en-US" dirty="0" smtClean="0"/>
-              <a:t>。</a:t>
+              <a:t>画出系统流图，写出完整系统表达式。</a:t>
             </a:r>
             <a:endParaRPr lang="en-US" altLang="zh-CN" dirty="0" smtClean="0"/>
           </a:p>
@@ -3184,10 +3234,14 @@
             </a:pPr>
             <a:r>
               <a:rPr lang="zh-CN" altLang="en-US" dirty="0" smtClean="0"/>
-              <a:t>写出完整的系统方程</a:t>
-            </a:r>
-            <a:r>
-              <a:rPr lang="zh-CN" altLang="en-US" dirty="0"/>
+              <a:t>做出库存总量变化趋势图，分析</a:t>
+            </a:r>
+            <a:r>
+              <a:rPr lang="zh-CN" altLang="en-US" dirty="0" smtClean="0"/>
+              <a:t>库存量如何变化</a:t>
+            </a:r>
+            <a:r>
+              <a:rPr lang="zh-CN" altLang="en-US" dirty="0" smtClean="0"/>
               <a:t>。</a:t>
             </a:r>
             <a:endParaRPr lang="en-US" altLang="zh-CN" dirty="0" smtClean="0"/>
@@ -3886,7 +3940,39 @@
             </a:pPr>
             <a:r>
               <a:rPr lang="zh-CN" altLang="en-US" dirty="0" smtClean="0"/>
-              <a:t>在软件中完成模型构建，并进行计算。</a:t>
+              <a:t>模式</a:t>
+            </a:r>
+            <a:r>
+              <a:rPr lang="en-US" altLang="zh-CN" dirty="0" smtClean="0"/>
+              <a:t>1</a:t>
+            </a:r>
+            <a:r>
+              <a:rPr lang="zh-CN" altLang="en-US" dirty="0" smtClean="0"/>
+              <a:t>：</a:t>
+            </a:r>
+            <a:r>
+              <a:rPr lang="en-US" altLang="zh-CN" dirty="0" smtClean="0"/>
+              <a:t>TEST=10</a:t>
+            </a:r>
+            <a:r>
+              <a:rPr lang="zh-CN" altLang="en-US" dirty="0" smtClean="0"/>
+              <a:t>时，在</a:t>
+            </a:r>
+            <a:r>
+              <a:rPr lang="zh-CN" altLang="en-US" dirty="0" smtClean="0"/>
+              <a:t>软件中完成模型构建，并进行计算</a:t>
+            </a:r>
+            <a:r>
+              <a:rPr lang="zh-CN" altLang="en-US" dirty="0" smtClean="0"/>
+              <a:t>。写出分析库存量</a:t>
+            </a:r>
+            <a:r>
+              <a:rPr lang="en-US" altLang="zh-CN" dirty="0" smtClean="0"/>
+              <a:t>INV</a:t>
+            </a:r>
+            <a:r>
+              <a:rPr lang="zh-CN" altLang="en-US" dirty="0" smtClean="0"/>
+              <a:t>如何变化。</a:t>
             </a:r>
             <a:endParaRPr lang="en-US" altLang="zh-CN" dirty="0" smtClean="0"/>
           </a:p>
@@ -3896,20 +3982,28 @@
               <a:buAutoNum type="arabicPeriod"/>
             </a:pPr>
             <a:r>
+              <a:rPr lang="zh-CN" altLang="en-US" dirty="0" smtClean="0"/>
+              <a:t>模式</a:t>
+            </a:r>
+            <a:r>
+              <a:rPr lang="en-US" altLang="zh-CN" dirty="0" smtClean="0"/>
+              <a:t>2</a:t>
+            </a:r>
+            <a:r>
+              <a:rPr lang="zh-CN" altLang="en-US" dirty="0" smtClean="0"/>
+              <a:t>：</a:t>
+            </a:r>
+            <a:r>
               <a:rPr lang="en-US" altLang="zh-CN" dirty="0" smtClean="0"/>
               <a:t>TEST</a:t>
             </a:r>
             <a:r>
               <a:rPr lang="zh-CN" altLang="en-US" dirty="0" smtClean="0"/>
-              <a:t>代表了市场需求，原模型中需求为恒定常数。现改变</a:t>
-            </a:r>
-            <a:r>
-              <a:rPr lang="en-US" altLang="zh-CN" dirty="0" smtClean="0"/>
-              <a:t>TEST</a:t>
-            </a:r>
-            <a:r>
-              <a:rPr lang="zh-CN" altLang="en-US" dirty="0" smtClean="0"/>
-              <a:t>，模拟市场在</a:t>
+              <a:t>代表了市场需求，现模拟</a:t>
+            </a:r>
+            <a:r>
+              <a:rPr lang="zh-CN" altLang="en-US" dirty="0" smtClean="0"/>
+              <a:t>市场在</a:t>
             </a:r>
             <a:r>
               <a:rPr lang="en-US" altLang="zh-CN" dirty="0" smtClean="0"/>
@@ -3933,7 +4027,7 @@
             </a:r>
             <a:r>
               <a:rPr lang="zh-CN" altLang="en-US" dirty="0" smtClean="0"/>
-              <a:t>，给出库存变化特点。</a:t>
+              <a:t>，写出库存如何变化的分析。</a:t>
             </a:r>
             <a:endParaRPr lang="en-US" altLang="zh-CN" dirty="0" smtClean="0"/>
           </a:p>
@@ -3944,7 +4038,27 @@
             </a:pPr>
             <a:r>
               <a:rPr lang="zh-CN" altLang="en-US" dirty="0" smtClean="0"/>
-              <a:t>市场需求原本为</a:t>
+              <a:t>模式</a:t>
+            </a:r>
+            <a:r>
+              <a:rPr lang="en-US" altLang="zh-CN" dirty="0" smtClean="0"/>
+              <a:t>3</a:t>
+            </a:r>
+            <a:r>
+              <a:rPr lang="zh-CN" altLang="en-US" dirty="0" smtClean="0"/>
+              <a:t>：市场需求</a:t>
+            </a:r>
+            <a:r>
+              <a:rPr lang="en-US" altLang="zh-CN" dirty="0" smtClean="0"/>
+              <a:t>TEST</a:t>
+            </a:r>
+            <a:r>
+              <a:rPr lang="zh-CN" altLang="en-US" dirty="0" smtClean="0"/>
+              <a:t>原本</a:t>
+            </a:r>
+            <a:r>
+              <a:rPr lang="zh-CN" altLang="en-US" dirty="0" smtClean="0"/>
+              <a:t>为</a:t>
             </a:r>
             <a:r>
               <a:rPr lang="en-US" altLang="zh-CN" dirty="0" smtClean="0"/>
@@ -3976,7 +4090,7 @@
             </a:r>
             <a:r>
               <a:rPr lang="zh-CN" altLang="en-US" dirty="0" smtClean="0"/>
-              <a:t>，请做出库存量仿真。</a:t>
+              <a:t>，写出库存总量变化的分析。</a:t>
             </a:r>
             <a:endParaRPr lang="en-US" altLang="zh-CN" dirty="0" smtClean="0"/>
           </a:p>
